--- a/android/sayhello/prog/doc/slides.pptx
+++ b/android/sayhello/prog/doc/slides.pptx
@@ -111,6 +111,11 @@
       </a:defRPr>
     </a:lvl9pPr>
   </p:defaultTextStyle>
+  <p:extLst>
+    <p:ext uri="{EFAFB233-063F-42B5-8137-9DF3F51BA10A}">
+      <p15:sldGuideLst xmlns:p15="http://schemas.microsoft.com/office/powerpoint/2012/main"/>
+    </p:ext>
+  </p:extLst>
 </p:presentation>
 </file>
 
@@ -196,7 +201,7 @@
           <a:p>
             <a:fld id="{178B9E07-3AD2-407F-87A5-593B697C0F39}" type="datetimeFigureOut">
               <a:rPr lang="en-US" smtClean="0"/>
-              <a:t>7/26/2015</a:t>
+              <a:t>8/6/2015</a:t>
             </a:fld>
             <a:endParaRPr lang="en-US"/>
           </a:p>
@@ -3800,7 +3805,11 @@
           <a:p>
             <a:r>
               <a:rPr lang="en-US" dirty="0" smtClean="0"/>
-              <a:t>Android – SayHello(</a:t>
+              <a:t>Android – </a:t>
+            </a:r>
+            <a:r>
+              <a:rPr lang="en-US" dirty="0" smtClean="0"/>
+              <a:t>SayHello (</a:t>
             </a:r>
             <a:r>
               <a:rPr lang="en-US" dirty="0" err="1" smtClean="0"/>
@@ -4185,7 +4194,7 @@
       </p:sp>
       <p:pic>
         <p:nvPicPr>
-          <p:cNvPr id="7" name="Picture 6"/>
+          <p:cNvPr id="2" name="Picture 1"/>
           <p:cNvPicPr>
             <a:picLocks noChangeAspect="1"/>
           </p:cNvPicPr>
@@ -4205,8 +4214,8 @@
         </p:blipFill>
         <p:spPr>
           <a:xfrm>
-            <a:off x="1247505" y="1201783"/>
-            <a:ext cx="2923903" cy="5189197"/>
+            <a:off x="1123613" y="1140821"/>
+            <a:ext cx="3019970" cy="5368834"/>
           </a:xfrm>
           <a:prstGeom prst="rect">
             <a:avLst/>
@@ -4215,7 +4224,7 @@
       </p:pic>
       <p:pic>
         <p:nvPicPr>
-          <p:cNvPr id="8" name="Picture 7"/>
+          <p:cNvPr id="10" name="Picture 9"/>
           <p:cNvPicPr>
             <a:picLocks noChangeAspect="1"/>
           </p:cNvPicPr>
@@ -4235,8 +4244,8 @@
         </p:blipFill>
         <p:spPr>
           <a:xfrm>
-            <a:off x="4302037" y="1201781"/>
-            <a:ext cx="2804159" cy="5189198"/>
+            <a:off x="4204843" y="1136466"/>
+            <a:ext cx="3024870" cy="5377544"/>
           </a:xfrm>
           <a:prstGeom prst="rect">
             <a:avLst/>
@@ -4245,7 +4254,7 @@
       </p:pic>
       <p:pic>
         <p:nvPicPr>
-          <p:cNvPr id="9" name="Picture 8"/>
+          <p:cNvPr id="12" name="Picture 11"/>
           <p:cNvPicPr>
             <a:picLocks noChangeAspect="1"/>
           </p:cNvPicPr>
@@ -4265,8 +4274,8 @@
         </p:blipFill>
         <p:spPr>
           <a:xfrm>
-            <a:off x="7256064" y="1201781"/>
-            <a:ext cx="2807568" cy="5189198"/>
+            <a:off x="7290973" y="1140821"/>
+            <a:ext cx="3027546" cy="5382304"/>
           </a:xfrm>
           <a:prstGeom prst="rect">
             <a:avLst/>
@@ -4378,10 +4387,10 @@
           </a:p>
           <a:p>
             <a:r>
-              <a:rPr lang="en-US" dirty="0" err="1" smtClean="0">
+              <a:rPr lang="en-US" smtClean="0">
                 <a:hlinkClick r:id="rId6"/>
               </a:rPr>
-              <a:t>OnCLickListener</a:t>
+              <a:t>OnClickListener</a:t>
             </a:r>
             <a:endParaRPr lang="en-US" dirty="0"/>
           </a:p>
